--- a/docs/2022전기발표자료_09_ML깎는컴공.pptx
+++ b/docs/2022전기발표자료_09_ML깎는컴공.pptx
@@ -7538,8 +7538,8 @@
         </p:nvSpPr>
         <p:spPr>
           <a:xfrm>
-            <a:off x="7214838" y="3679902"/>
-            <a:ext cx="1720343" cy="1169551"/>
+            <a:off x="7214774" y="4043584"/>
+            <a:ext cx="1720407" cy="954107"/>
           </a:xfrm>
           <a:prstGeom prst="rect">
             <a:avLst/>
@@ -7551,36 +7551,6 @@
             <a:spAutoFit/>
           </a:bodyPr>
           <a:lstStyle/>
-          <a:p>
-            <a:pPr algn="r"/>
-            <a:r>
-              <a:rPr lang="en-US" altLang="ko-KR" b="1" dirty="0">
-                <a:solidFill>
-                  <a:schemeClr val="bg2"/>
-                </a:solidFill>
-                <a:latin typeface="나눔고딕" panose="020D0604000000000000" pitchFamily="50" charset="-127"/>
-                <a:ea typeface="나눔고딕" panose="020D0604000000000000" pitchFamily="50" charset="-127"/>
-              </a:rPr>
-              <a:t>201824633 </a:t>
-            </a:r>
-            <a:r>
-              <a:rPr lang="ko-KR" altLang="en-US" b="1" dirty="0">
-                <a:solidFill>
-                  <a:schemeClr val="bg2"/>
-                </a:solidFill>
-                <a:latin typeface="나눔고딕" panose="020D0604000000000000" pitchFamily="50" charset="-127"/>
-                <a:ea typeface="나눔고딕" panose="020D0604000000000000" pitchFamily="50" charset="-127"/>
-              </a:rPr>
-              <a:t>김유진</a:t>
-            </a:r>
-            <a:endParaRPr lang="en-US" altLang="ko-KR" b="1" dirty="0">
-              <a:solidFill>
-                <a:schemeClr val="bg2"/>
-              </a:solidFill>
-              <a:latin typeface="나눔고딕" panose="020D0604000000000000" pitchFamily="50" charset="-127"/>
-              <a:ea typeface="나눔고딕" panose="020D0604000000000000" pitchFamily="50" charset="-127"/>
-            </a:endParaRPr>
-          </a:p>
           <a:p>
             <a:pPr algn="r"/>
             <a:r>
@@ -31216,36 +31186,85 @@
           </a:p>
         </p:txBody>
       </p:sp>
-      <p:pic>
-        <p:nvPicPr>
-          <p:cNvPr id="3" name="그림 2">
+      <p:grpSp>
+        <p:nvGrpSpPr>
+          <p:cNvPr id="4" name="그룹 3">
             <a:extLst>
               <a:ext uri="{FF2B5EF4-FFF2-40B4-BE49-F238E27FC236}">
-                <a16:creationId xmlns:a16="http://schemas.microsoft.com/office/drawing/2014/main" id="{0B2C2651-2866-0112-09C4-745F5054985A}"/>
+                <a16:creationId xmlns:a16="http://schemas.microsoft.com/office/drawing/2014/main" id="{5692E098-E78B-5A66-B7F3-422B193D0B79}"/>
               </a:ext>
             </a:extLst>
           </p:cNvPr>
-          <p:cNvPicPr>
-            <a:picLocks noChangeAspect="1"/>
-          </p:cNvPicPr>
+          <p:cNvGrpSpPr/>
           <p:nvPr/>
-        </p:nvPicPr>
-        <p:blipFill>
-          <a:blip r:embed="rId3"/>
-          <a:stretch>
-            <a:fillRect/>
-          </a:stretch>
-        </p:blipFill>
-        <p:spPr>
+        </p:nvGrpSpPr>
+        <p:grpSpPr>
           <a:xfrm>
-            <a:off x="1567466" y="1243191"/>
-            <a:ext cx="6009067" cy="3509497"/>
+            <a:off x="1567466" y="1596481"/>
+            <a:ext cx="6009067" cy="2522361"/>
+            <a:chOff x="1567466" y="2230327"/>
+            <a:chExt cx="6009067" cy="2522361"/>
           </a:xfrm>
-          <a:prstGeom prst="rect">
-            <a:avLst/>
-          </a:prstGeom>
-        </p:spPr>
-      </p:pic>
+        </p:grpSpPr>
+        <p:pic>
+          <p:nvPicPr>
+            <p:cNvPr id="3" name="그림 2">
+              <a:extLst>
+                <a:ext uri="{FF2B5EF4-FFF2-40B4-BE49-F238E27FC236}">
+                  <a16:creationId xmlns:a16="http://schemas.microsoft.com/office/drawing/2014/main" id="{0B2C2651-2866-0112-09C4-745F5054985A}"/>
+                </a:ext>
+              </a:extLst>
+            </p:cNvPr>
+            <p:cNvPicPr>
+              <a:picLocks noChangeAspect="1"/>
+            </p:cNvPicPr>
+            <p:nvPr/>
+          </p:nvPicPr>
+          <p:blipFill rotWithShape="1">
+            <a:blip r:embed="rId3"/>
+            <a:srcRect t="41853"/>
+            <a:stretch/>
+          </p:blipFill>
+          <p:spPr>
+            <a:xfrm>
+              <a:off x="1567466" y="2712027"/>
+              <a:ext cx="6009067" cy="2040661"/>
+            </a:xfrm>
+            <a:prstGeom prst="rect">
+              <a:avLst/>
+            </a:prstGeom>
+          </p:spPr>
+        </p:pic>
+        <p:pic>
+          <p:nvPicPr>
+            <p:cNvPr id="2" name="그림 1">
+              <a:extLst>
+                <a:ext uri="{FF2B5EF4-FFF2-40B4-BE49-F238E27FC236}">
+                  <a16:creationId xmlns:a16="http://schemas.microsoft.com/office/drawing/2014/main" id="{38ABB689-2F6A-F256-A8E9-486D3F771D57}"/>
+                </a:ext>
+              </a:extLst>
+            </p:cNvPr>
+            <p:cNvPicPr>
+              <a:picLocks noChangeAspect="1"/>
+            </p:cNvPicPr>
+            <p:nvPr/>
+          </p:nvPicPr>
+          <p:blipFill rotWithShape="1">
+            <a:blip r:embed="rId3"/>
+            <a:srcRect b="86274"/>
+            <a:stretch/>
+          </p:blipFill>
+          <p:spPr>
+            <a:xfrm>
+              <a:off x="1567466" y="2230327"/>
+              <a:ext cx="6009067" cy="481700"/>
+            </a:xfrm>
+            <a:prstGeom prst="rect">
+              <a:avLst/>
+            </a:prstGeom>
+          </p:spPr>
+        </p:pic>
+      </p:grpSp>
     </p:spTree>
     <p:extLst>
       <p:ext uri="{BB962C8B-B14F-4D97-AF65-F5344CB8AC3E}">
